--- a/paper/Paper/design figure.pptx
+++ b/paper/Paper/design figure.pptx
@@ -269,7 +269,7 @@
           <a:p>
             <a:fld id="{A1208381-D324-4E16-878A-260944863543}" type="datetimeFigureOut">
               <a:rPr lang="he-IL" smtClean="0"/>
-              <a:t>ל'/תשרי/תשפ"ב</a:t>
+              <a:t>כ"א/שבט/תשפ"ב</a:t>
             </a:fld>
             <a:endParaRPr lang="he-IL"/>
           </a:p>
@@ -469,7 +469,7 @@
           <a:p>
             <a:fld id="{A1208381-D324-4E16-878A-260944863543}" type="datetimeFigureOut">
               <a:rPr lang="he-IL" smtClean="0"/>
-              <a:t>ל'/תשרי/תשפ"ב</a:t>
+              <a:t>כ"א/שבט/תשפ"ב</a:t>
             </a:fld>
             <a:endParaRPr lang="he-IL"/>
           </a:p>
@@ -679,7 +679,7 @@
           <a:p>
             <a:fld id="{A1208381-D324-4E16-878A-260944863543}" type="datetimeFigureOut">
               <a:rPr lang="he-IL" smtClean="0"/>
-              <a:t>ל'/תשרי/תשפ"ב</a:t>
+              <a:t>כ"א/שבט/תשפ"ב</a:t>
             </a:fld>
             <a:endParaRPr lang="he-IL"/>
           </a:p>
@@ -879,7 +879,7 @@
           <a:p>
             <a:fld id="{A1208381-D324-4E16-878A-260944863543}" type="datetimeFigureOut">
               <a:rPr lang="he-IL" smtClean="0"/>
-              <a:t>ל'/תשרי/תשפ"ב</a:t>
+              <a:t>כ"א/שבט/תשפ"ב</a:t>
             </a:fld>
             <a:endParaRPr lang="he-IL"/>
           </a:p>
@@ -1155,7 +1155,7 @@
           <a:p>
             <a:fld id="{A1208381-D324-4E16-878A-260944863543}" type="datetimeFigureOut">
               <a:rPr lang="he-IL" smtClean="0"/>
-              <a:t>ל'/תשרי/תשפ"ב</a:t>
+              <a:t>כ"א/שבט/תשפ"ב</a:t>
             </a:fld>
             <a:endParaRPr lang="he-IL"/>
           </a:p>
@@ -1423,7 +1423,7 @@
           <a:p>
             <a:fld id="{A1208381-D324-4E16-878A-260944863543}" type="datetimeFigureOut">
               <a:rPr lang="he-IL" smtClean="0"/>
-              <a:t>ל'/תשרי/תשפ"ב</a:t>
+              <a:t>כ"א/שבט/תשפ"ב</a:t>
             </a:fld>
             <a:endParaRPr lang="he-IL"/>
           </a:p>
@@ -1838,7 +1838,7 @@
           <a:p>
             <a:fld id="{A1208381-D324-4E16-878A-260944863543}" type="datetimeFigureOut">
               <a:rPr lang="he-IL" smtClean="0"/>
-              <a:t>ל'/תשרי/תשפ"ב</a:t>
+              <a:t>כ"א/שבט/תשפ"ב</a:t>
             </a:fld>
             <a:endParaRPr lang="he-IL"/>
           </a:p>
@@ -1980,7 +1980,7 @@
           <a:p>
             <a:fld id="{A1208381-D324-4E16-878A-260944863543}" type="datetimeFigureOut">
               <a:rPr lang="he-IL" smtClean="0"/>
-              <a:t>ל'/תשרי/תשפ"ב</a:t>
+              <a:t>כ"א/שבט/תשפ"ב</a:t>
             </a:fld>
             <a:endParaRPr lang="he-IL"/>
           </a:p>
@@ -2093,7 +2093,7 @@
           <a:p>
             <a:fld id="{A1208381-D324-4E16-878A-260944863543}" type="datetimeFigureOut">
               <a:rPr lang="he-IL" smtClean="0"/>
-              <a:t>ל'/תשרי/תשפ"ב</a:t>
+              <a:t>כ"א/שבט/תשפ"ב</a:t>
             </a:fld>
             <a:endParaRPr lang="he-IL"/>
           </a:p>
@@ -2406,7 +2406,7 @@
           <a:p>
             <a:fld id="{A1208381-D324-4E16-878A-260944863543}" type="datetimeFigureOut">
               <a:rPr lang="he-IL" smtClean="0"/>
-              <a:t>ל'/תשרי/תשפ"ב</a:t>
+              <a:t>כ"א/שבט/תשפ"ב</a:t>
             </a:fld>
             <a:endParaRPr lang="he-IL"/>
           </a:p>
@@ -2695,7 +2695,7 @@
           <a:p>
             <a:fld id="{A1208381-D324-4E16-878A-260944863543}" type="datetimeFigureOut">
               <a:rPr lang="he-IL" smtClean="0"/>
-              <a:t>ל'/תשרי/תשפ"ב</a:t>
+              <a:t>כ"א/שבט/תשפ"ב</a:t>
             </a:fld>
             <a:endParaRPr lang="he-IL"/>
           </a:p>
@@ -2938,7 +2938,7 @@
           <a:p>
             <a:fld id="{A1208381-D324-4E16-878A-260944863543}" type="datetimeFigureOut">
               <a:rPr lang="he-IL" smtClean="0"/>
-              <a:t>ל'/תשרי/תשפ"ב</a:t>
+              <a:t>כ"א/שבט/תשפ"ב</a:t>
             </a:fld>
             <a:endParaRPr lang="he-IL"/>
           </a:p>
@@ -4108,15 +4108,7 @@
               <a:p>
                 <a:r>
                   <a:rPr lang="en-US" sz="1400" dirty="0"/>
-                  <a:t>    </a:t>
-                </a:r>
-                <a:r>
-                  <a:rPr lang="en-US" sz="1400" dirty="0" err="1"/>
-                  <a:t>Artficial</a:t>
-                </a:r>
-                <a:r>
-                  <a:rPr lang="en-US" sz="1400" dirty="0"/>
-                  <a:t>                      Natural</a:t>
+                  <a:t>    Artificial                      Natural</a:t>
                 </a:r>
                 <a:endParaRPr lang="he-IL" sz="1400" dirty="0"/>
               </a:p>
@@ -5243,15 +5235,7 @@
             <a:p>
               <a:r>
                 <a:rPr lang="en-US" sz="1400" dirty="0"/>
-                <a:t>     </a:t>
-              </a:r>
-              <a:r>
-                <a:rPr lang="en-US" sz="1400" dirty="0" err="1"/>
-                <a:t>Artficial</a:t>
-              </a:r>
-              <a:r>
-                <a:rPr lang="en-US" sz="1400" dirty="0"/>
-                <a:t>                      Natural</a:t>
+                <a:t>     Artificial                      Natural</a:t>
               </a:r>
               <a:endParaRPr lang="he-IL" sz="1400" dirty="0"/>
             </a:p>
@@ -6377,15 +6361,7 @@
             <a:p>
               <a:r>
                 <a:rPr lang="en-US" sz="1400" dirty="0"/>
-                <a:t>     </a:t>
-              </a:r>
-              <a:r>
-                <a:rPr lang="en-US" sz="1400" dirty="0" err="1"/>
-                <a:t>Artficial</a:t>
-              </a:r>
-              <a:r>
-                <a:rPr lang="en-US" sz="1400" dirty="0"/>
-                <a:t>                      Natural</a:t>
+                <a:t>     Artificial                      Natural</a:t>
               </a:r>
               <a:endParaRPr lang="he-IL" sz="1400" dirty="0"/>
             </a:p>
@@ -6664,15 +6640,7 @@
             <a:p>
               <a:r>
                 <a:rPr lang="en-US" sz="1400" dirty="0"/>
-                <a:t>    </a:t>
-              </a:r>
-              <a:r>
-                <a:rPr lang="en-US" sz="1400" dirty="0" err="1"/>
-                <a:t>Artficial</a:t>
-              </a:r>
-              <a:r>
-                <a:rPr lang="en-US" sz="1400" dirty="0"/>
-                <a:t>                      Natural</a:t>
+                <a:t>    Artificial                      Natural</a:t>
               </a:r>
               <a:endParaRPr lang="he-IL" sz="1400" dirty="0"/>
             </a:p>
@@ -7798,15 +7766,7 @@
             <a:p>
               <a:r>
                 <a:rPr lang="en-US" sz="1400" dirty="0"/>
-                <a:t>    </a:t>
-              </a:r>
-              <a:r>
-                <a:rPr lang="en-US" sz="1400" dirty="0" err="1"/>
-                <a:t>Artficial</a:t>
-              </a:r>
-              <a:r>
-                <a:rPr lang="en-US" sz="1400" dirty="0"/>
-                <a:t>                      Natural</a:t>
+                <a:t>    Artificial                      Natural</a:t>
               </a:r>
               <a:endParaRPr lang="he-IL" sz="1400" dirty="0"/>
             </a:p>
@@ -8027,15 +7987,7 @@
             <a:p>
               <a:r>
                 <a:rPr lang="en-US" sz="1400" dirty="0"/>
-                <a:t>    </a:t>
-              </a:r>
-              <a:r>
-                <a:rPr lang="en-US" sz="1400" dirty="0" err="1"/>
-                <a:t>Artficial</a:t>
-              </a:r>
-              <a:r>
-                <a:rPr lang="en-US" sz="1400" dirty="0"/>
-                <a:t>                      Natural</a:t>
+                <a:t>    Artificial                      Natural</a:t>
               </a:r>
               <a:endParaRPr lang="he-IL" sz="1400" dirty="0"/>
             </a:p>
